--- a/techtalk/CloudDNS-TechTalk-1-ProjectGoals.pptx
+++ b/techtalk/CloudDNS-TechTalk-1-ProjectGoals.pptx
@@ -237,7 +237,7 @@
             <a:fld id="{024717CF-9968-0D4D-9FC4-597B2E56B041}" type="datetimeFigureOut">
               <a:rPr lang="en-US" smtClean="0"/>
               <a:pPr/>
-              <a:t>10/24/11</a:t>
+              <a:t>10/25/11</a:t>
             </a:fld>
             <a:endParaRPr lang="en-US" dirty="0"/>
           </a:p>
@@ -405,7 +405,7 @@
             <a:fld id="{E59A0190-259B-884B-986E-E78E91DEEBF9}" type="datetimeFigureOut">
               <a:rPr lang="en-US" smtClean="0"/>
               <a:pPr/>
-              <a:t>10/24/11</a:t>
+              <a:t>10/25/11</a:t>
             </a:fld>
             <a:endParaRPr lang="en-US" dirty="0"/>
           </a:p>
@@ -4759,8 +4759,52 @@
             </a:r>
             <a:r>
               <a:rPr lang="en-US" dirty="0" smtClean="0"/>
-              <a:t> API for managing Cloud customer domains</a:t>
-            </a:r>
+              <a:t> API for managing Cloud customer </a:t>
+            </a:r>
+            <a:r>
+              <a:rPr lang="en-US" dirty="0" smtClean="0"/>
+              <a:t>domains</a:t>
+            </a:r>
+            <a:endParaRPr lang="en-US" dirty="0"/>
+          </a:p>
+          <a:p>
+            <a:pPr marL="819150" lvl="1" indent="-457200">
+              <a:buFont typeface="Arial"/>
+              <a:buChar char="•"/>
+            </a:pPr>
+            <a:r>
+              <a:rPr lang="en-US" dirty="0" smtClean="0"/>
+              <a:t>Public </a:t>
+            </a:r>
+            <a:r>
+              <a:rPr lang="en-US" dirty="0" smtClean="0"/>
+              <a:t>API for </a:t>
+            </a:r>
+            <a:r>
+              <a:rPr lang="en-US" dirty="0" smtClean="0"/>
+              <a:t>customers</a:t>
+            </a:r>
+            <a:endParaRPr lang="en-US" dirty="0" smtClean="0"/>
+          </a:p>
+          <a:p>
+            <a:pPr marL="819150" lvl="1" indent="-457200">
+              <a:buFont typeface="Arial"/>
+              <a:buChar char="•"/>
+            </a:pPr>
+            <a:r>
+              <a:rPr lang="en-US" dirty="0" smtClean="0"/>
+              <a:t>Management API for internal </a:t>
+            </a:r>
+            <a:r>
+              <a:rPr lang="en-US" dirty="0" smtClean="0"/>
+              <a:t>use</a:t>
+            </a:r>
+          </a:p>
+          <a:p>
+            <a:pPr marL="819150" lvl="1" indent="-457200">
+              <a:buFont typeface="Arial"/>
+              <a:buChar char="•"/>
+            </a:pPr>
             <a:endParaRPr lang="en-US" dirty="0"/>
           </a:p>
           <a:p>
@@ -4768,7 +4812,10 @@
               <a:buFont typeface="Arial"/>
               <a:buChar char="•"/>
             </a:pPr>
-            <a:endParaRPr lang="en-US" dirty="0"/>
+            <a:r>
+              <a:rPr lang="en-US" dirty="0" smtClean="0"/>
+              <a:t>Free</a:t>
+            </a:r>
           </a:p>
           <a:p>
             <a:pPr marL="819150" lvl="1" indent="-457200">
@@ -4777,41 +4824,11 @@
             </a:pPr>
             <a:r>
               <a:rPr lang="en-US" dirty="0" smtClean="0"/>
-              <a:t>Public API for customers</a:t>
-            </a:r>
-          </a:p>
-          <a:p>
-            <a:pPr marL="457200" indent="-457200">
-              <a:buFont typeface="Arial"/>
-              <a:buChar char="•"/>
-            </a:pPr>
-            <a:endParaRPr lang="en-US" dirty="0" smtClean="0"/>
-          </a:p>
-          <a:p>
-            <a:pPr marL="819150" lvl="1" indent="-457200">
-              <a:buFont typeface="Arial"/>
-              <a:buChar char="•"/>
-            </a:pPr>
+              <a:t> </a:t>
+            </a:r>
             <a:r>
               <a:rPr lang="en-US" dirty="0" smtClean="0"/>
-              <a:t>Management API for internal use</a:t>
-            </a:r>
-          </a:p>
-          <a:p>
-            <a:pPr marL="457200" indent="-457200">
-              <a:buFont typeface="Arial"/>
-              <a:buChar char="•"/>
-            </a:pPr>
-            <a:endParaRPr lang="en-US" dirty="0"/>
-          </a:p>
-          <a:p>
-            <a:pPr marL="457200" indent="-457200">
-              <a:buFont typeface="Arial"/>
-              <a:buChar char="•"/>
-            </a:pPr>
-            <a:r>
-              <a:rPr lang="en-US" dirty="0" smtClean="0"/>
-              <a:t>Free; value add for any Cloud customer</a:t>
+              <a:t>value add for any Cloud customer</a:t>
             </a:r>
             <a:endParaRPr lang="en-US" dirty="0"/>
           </a:p>
@@ -4940,13 +4957,8 @@
             <a:pPr lvl="1"/>
             <a:r>
               <a:rPr lang="en-US" dirty="0" smtClean="0"/>
-              <a:t>8% of support volume is </a:t>
-            </a:r>
-            <a:r>
-              <a:rPr lang="en-US" smtClean="0"/>
-              <a:t>DNS related</a:t>
-            </a:r>
-            <a:endParaRPr lang="en-US" dirty="0" smtClean="0"/>
+              <a:t>8% of support volume is DNS related</a:t>
+            </a:r>
           </a:p>
           <a:p>
             <a:r>

--- a/techtalk/CloudDNS-TechTalk-1-ProjectGoals.pptx
+++ b/techtalk/CloudDNS-TechTalk-1-ProjectGoals.pptx
@@ -237,7 +237,7 @@
             <a:fld id="{024717CF-9968-0D4D-9FC4-597B2E56B041}" type="datetimeFigureOut">
               <a:rPr lang="en-US" smtClean="0"/>
               <a:pPr/>
-              <a:t>10/25/11</a:t>
+              <a:t>10/26/11</a:t>
             </a:fld>
             <a:endParaRPr lang="en-US" dirty="0"/>
           </a:p>
@@ -405,7 +405,7 @@
             <a:fld id="{E59A0190-259B-884B-986E-E78E91DEEBF9}" type="datetimeFigureOut">
               <a:rPr lang="en-US" smtClean="0"/>
               <a:pPr/>
-              <a:t>10/25/11</a:t>
+              <a:t>10/26/11</a:t>
             </a:fld>
             <a:endParaRPr lang="en-US" dirty="0"/>
           </a:p>
@@ -4759,11 +4759,7 @@
             </a:r>
             <a:r>
               <a:rPr lang="en-US" dirty="0" smtClean="0"/>
-              <a:t> API for managing Cloud customer </a:t>
-            </a:r>
-            <a:r>
-              <a:rPr lang="en-US" dirty="0" smtClean="0"/>
-              <a:t>domains</a:t>
+              <a:t> API for managing Cloud customer domains</a:t>
             </a:r>
             <a:endParaRPr lang="en-US" dirty="0"/>
           </a:p>
@@ -4774,17 +4770,8 @@
             </a:pPr>
             <a:r>
               <a:rPr lang="en-US" dirty="0" smtClean="0"/>
-              <a:t>Public </a:t>
-            </a:r>
-            <a:r>
-              <a:rPr lang="en-US" dirty="0" smtClean="0"/>
-              <a:t>API for </a:t>
-            </a:r>
-            <a:r>
-              <a:rPr lang="en-US" dirty="0" smtClean="0"/>
-              <a:t>customers</a:t>
-            </a:r>
-            <a:endParaRPr lang="en-US" dirty="0" smtClean="0"/>
+              <a:t>Public API for customers</a:t>
+            </a:r>
           </a:p>
           <a:p>
             <a:pPr marL="819150" lvl="1" indent="-457200">
@@ -4793,11 +4780,7 @@
             </a:pPr>
             <a:r>
               <a:rPr lang="en-US" dirty="0" smtClean="0"/>
-              <a:t>Management API for internal </a:t>
-            </a:r>
-            <a:r>
-              <a:rPr lang="en-US" dirty="0" smtClean="0"/>
-              <a:t>use</a:t>
+              <a:t>Management API for internal use</a:t>
             </a:r>
           </a:p>
           <a:p>
@@ -4824,11 +4807,7 @@
             </a:pPr>
             <a:r>
               <a:rPr lang="en-US" dirty="0" smtClean="0"/>
-              <a:t> </a:t>
-            </a:r>
-            <a:r>
-              <a:rPr lang="en-US" dirty="0" smtClean="0"/>
-              <a:t>value add for any Cloud customer</a:t>
+              <a:t> value add for any Cloud customer</a:t>
             </a:r>
             <a:endParaRPr lang="en-US" dirty="0"/>
           </a:p>
@@ -5199,7 +5178,19 @@
             </a:r>
             <a:r>
               <a:rPr lang="en-US" dirty="0"/>
-              <a:t>– Supports the following record types: A, CNAME, NS, TXT, AAAA, DKIM, MX, SRVR, and SPF.</a:t>
+              <a:t>– Supports the following record types: A, CNAME, NS, TXT, AAAA, DKIM, MX</a:t>
+            </a:r>
+            <a:r>
+              <a:rPr lang="en-US"/>
+              <a:t>, </a:t>
+            </a:r>
+            <a:r>
+              <a:rPr lang="en-US" smtClean="0"/>
+              <a:t>SRV, </a:t>
+            </a:r>
+            <a:r>
+              <a:rPr lang="en-US" dirty="0"/>
+              <a:t>and SPF.</a:t>
             </a:r>
           </a:p>
           <a:p>
